--- a/Poster template.pptx
+++ b/Poster template.pptx
@@ -3021,8 +3021,8 @@
         </p:nvSpPr>
         <p:spPr>
           <a:xfrm>
-            <a:off x="27735877" y="5875704"/>
-            <a:ext cx="7622724" cy="938719"/>
+            <a:off x="27381071" y="5875704"/>
+            <a:ext cx="7977530" cy="938719"/>
           </a:xfrm>
           <a:prstGeom prst="rect">
             <a:avLst/>
@@ -3153,7 +3153,15 @@
             </a:r>
             <a:r>
               <a:rPr lang="en-US" sz="3333" dirty="0"/>
-              <a:t>, multi-layer perceptron, SVM, decision tree, naïve Bayes, and </a:t>
+              <a:t>, multi-layer </a:t>
+            </a:r>
+            <a:r>
+              <a:rPr lang="en-US" sz="3333" dirty="0" smtClean="0"/>
+              <a:t>perceptron, </a:t>
+            </a:r>
+            <a:r>
+              <a:rPr lang="en-US" sz="3333" dirty="0"/>
+              <a:t>decision tree, naïve Bayes, and </a:t>
             </a:r>
             <a:r>
               <a:rPr lang="en-US" sz="3333" dirty="0" smtClean="0"/>
@@ -3219,8 +3227,8 @@
         </p:nvSpPr>
         <p:spPr>
           <a:xfrm>
-            <a:off x="27744264" y="6928263"/>
-            <a:ext cx="7614336" cy="8298682"/>
+            <a:off x="27381071" y="6928263"/>
+            <a:ext cx="7977529" cy="9324476"/>
           </a:xfrm>
           <a:prstGeom prst="rect">
             <a:avLst/>
@@ -3245,7 +3253,7 @@
             </a:pPr>
             <a:r>
               <a:rPr lang="en-US" sz="3333" dirty="0" smtClean="0"/>
-              <a:t>N/A</a:t>
+              <a:t>No assumed prior</a:t>
             </a:r>
             <a:endParaRPr lang="en-US" sz="3333" dirty="0"/>
           </a:p>
@@ -3285,8 +3293,9 @@
           <a:p>
             <a:r>
               <a:rPr lang="en-US" sz="3333" dirty="0" smtClean="0"/>
-              <a:t>SVM</a:t>
-            </a:r>
+              <a:t>Linear Regression </a:t>
+            </a:r>
+            <a:endParaRPr lang="en-US" sz="3333" dirty="0" smtClean="0"/>
           </a:p>
           <a:p>
             <a:pPr marL="457200" indent="-457200">
@@ -3294,15 +3303,15 @@
               <a:buChar char="•"/>
             </a:pPr>
             <a:r>
-              <a:rPr lang="en-US" sz="3333" dirty="0" err="1" smtClean="0"/>
-              <a:t>patrmenters</a:t>
+              <a:rPr lang="en-US" sz="3333" dirty="0" smtClean="0"/>
+              <a:t>LASSO eps = 0.001 because didn’t want parameters eliminated unless truly irrelevant</a:t>
             </a:r>
             <a:endParaRPr lang="en-US" sz="3333" dirty="0" smtClean="0"/>
           </a:p>
           <a:p>
             <a:r>
               <a:rPr lang="en-US" sz="3333" dirty="0" smtClean="0"/>
-              <a:t>LASSO</a:t>
+              <a:t>Decision Tree</a:t>
             </a:r>
           </a:p>
           <a:p>
@@ -3311,16 +3320,17 @@
               <a:buChar char="•"/>
             </a:pPr>
             <a:r>
+              <a:rPr lang="en-US" sz="3333" dirty="0" smtClean="0"/>
+              <a:t>Split on best Gini</a:t>
+            </a:r>
+            <a:endParaRPr lang="en-US" sz="3333" dirty="0" smtClean="0"/>
+          </a:p>
+          <a:p>
+            <a:r>
               <a:rPr lang="en-US" sz="3333" dirty="0" err="1" smtClean="0"/>
-              <a:t>asdadaff</a:t>
+              <a:t>OneClassSVM</a:t>
             </a:r>
             <a:endParaRPr lang="en-US" sz="3333" dirty="0" smtClean="0"/>
-          </a:p>
-          <a:p>
-            <a:r>
-              <a:rPr lang="en-US" sz="3333" dirty="0" smtClean="0"/>
-              <a:t>Decision Tree</a:t>
-            </a:r>
           </a:p>
           <a:p>
             <a:pPr marL="457200" indent="-457200">
@@ -3328,17 +3338,15 @@
               <a:buChar char="•"/>
             </a:pPr>
             <a:r>
-              <a:rPr lang="en-US" sz="3333" dirty="0" err="1" smtClean="0"/>
-              <a:t>adfsadfsdfdf</a:t>
-            </a:r>
-            <a:endParaRPr lang="en-US" sz="3333" dirty="0" smtClean="0"/>
-          </a:p>
-          <a:p>
-            <a:r>
-              <a:rPr lang="en-US" sz="3333" dirty="0" err="1" smtClean="0"/>
-              <a:t>OneClassSVM</a:t>
-            </a:r>
-            <a:endParaRPr lang="en-US" sz="3333" dirty="0" smtClean="0"/>
+              <a:rPr lang="en-US" sz="3333" dirty="0" smtClean="0"/>
+              <a:t>RBF kernel.  As discussed in class it usually works well in practice.</a:t>
+            </a:r>
+          </a:p>
+          <a:p>
+            <a:r>
+              <a:rPr lang="en-US" sz="3333" dirty="0" smtClean="0"/>
+              <a:t>Isolation Forest</a:t>
+            </a:r>
           </a:p>
           <a:p>
             <a:pPr marL="457200" indent="-457200">
@@ -3346,25 +3354,8 @@
               <a:buChar char="•"/>
             </a:pPr>
             <a:r>
-              <a:rPr lang="en-US" sz="3333" dirty="0" err="1" smtClean="0"/>
-              <a:t>Asdfsadfdsa</a:t>
-            </a:r>
-            <a:endParaRPr lang="en-US" sz="3333" dirty="0" smtClean="0"/>
-          </a:p>
-          <a:p>
-            <a:r>
               <a:rPr lang="en-US" sz="3333" dirty="0" smtClean="0"/>
-              <a:t>Isolation Forest</a:t>
-            </a:r>
-          </a:p>
-          <a:p>
-            <a:pPr marL="457200" indent="-457200">
-              <a:buFont typeface="Arial" charset="0"/>
-              <a:buChar char="•"/>
-            </a:pPr>
-            <a:r>
-              <a:rPr lang="en-US" sz="3333" dirty="0" err="1" smtClean="0"/>
-              <a:t>asdfadsf</a:t>
+              <a:t>Originally 100 base estimators (default)</a:t>
             </a:r>
             <a:endParaRPr lang="en-US" sz="3333" dirty="0"/>
           </a:p>
@@ -3414,11 +3405,7 @@
           <a:p>
             <a:r>
               <a:rPr lang="en-US" sz="3333" b="1" dirty="0" smtClean="0"/>
-              <a:t> </a:t>
-            </a:r>
-            <a:r>
-              <a:rPr lang="en-US" sz="3333" b="1" dirty="0" smtClean="0"/>
-              <a:t>Specify number of bands, any special properties. </a:t>
+              <a:t> Specify number of bands, any special properties. </a:t>
             </a:r>
             <a:endParaRPr lang="en-US" sz="3333" b="1" dirty="0"/>
           </a:p>
@@ -3454,7 +3441,7 @@
         <p:spPr>
           <a:xfrm>
             <a:off x="10671683" y="6928263"/>
-            <a:ext cx="15232632" cy="8298682"/>
+            <a:ext cx="15232632" cy="8811579"/>
           </a:xfrm>
           <a:prstGeom prst="rect">
             <a:avLst/>
@@ -3507,7 +3494,11 @@
             </a:pPr>
             <a:r>
               <a:rPr lang="en-US" sz="3333" dirty="0" smtClean="0"/>
-              <a:t>Isolation Forest worked well on the initial sample, but ran out of memory on the full dataset.</a:t>
+              <a:t>Isolation Forest worked well on the initial sample, but ran out of memory on the full dataset</a:t>
+            </a:r>
+            <a:r>
+              <a:rPr lang="en-US" sz="3333" dirty="0" smtClean="0"/>
+              <a:t>.  SVM also does not scale well, but it did complete outlier detection.</a:t>
             </a:r>
             <a:endParaRPr lang="en-US" sz="3333" dirty="0"/>
           </a:p>
@@ -3594,7 +3585,7 @@
           <a:lstStyle/>
           <a:p>
             <a:r>
-              <a:rPr lang="en-US" sz="3333" dirty="0"/>
+              <a:rPr lang="en-US" sz="3333" b="1" dirty="0"/>
               <a:t>&lt;diagrams showing the results of your method&gt;</a:t>
             </a:r>
           </a:p>
@@ -3603,57 +3594,57 @@
           </a:p>
           <a:p>
             <a:r>
-              <a:rPr lang="en-US" sz="3333" dirty="0" smtClean="0"/>
+              <a:rPr lang="en-US" sz="3333" i="1" dirty="0" smtClean="0"/>
               <a:t>I suggest we put here:</a:t>
             </a:r>
-            <a:endParaRPr lang="en-US" sz="3333" dirty="0"/>
+            <a:endParaRPr lang="en-US" sz="3333" i="1" dirty="0"/>
           </a:p>
           <a:p>
             <a:pPr marL="714346" indent="-714346">
               <a:buAutoNum type="romanLcParenBoth"/>
             </a:pPr>
             <a:r>
-              <a:rPr lang="en-US" sz="3333" dirty="0" smtClean="0"/>
+              <a:rPr lang="en-US" sz="3333" i="1" dirty="0" smtClean="0"/>
               <a:t>Graph of precision-recall, or ROC, etc. for all classifiers</a:t>
             </a:r>
-            <a:endParaRPr lang="en-US" sz="3333" dirty="0"/>
+            <a:endParaRPr lang="en-US" sz="3333" i="1" dirty="0"/>
           </a:p>
           <a:p>
             <a:pPr marL="714346" indent="-714346">
               <a:buAutoNum type="romanLcParenBoth"/>
             </a:pPr>
             <a:r>
-              <a:rPr lang="en-US" sz="3333" dirty="0" smtClean="0"/>
+              <a:rPr lang="en-US" sz="3333" i="1" dirty="0" smtClean="0"/>
               <a:t>Comparison of library vs our implementations of NB and </a:t>
             </a:r>
             <a:r>
-              <a:rPr lang="en-US" sz="3333" dirty="0" err="1" smtClean="0"/>
+              <a:rPr lang="en-US" sz="3333" i="1" dirty="0" err="1" smtClean="0"/>
               <a:t>kNN</a:t>
             </a:r>
-            <a:endParaRPr lang="en-US" sz="3333" dirty="0"/>
+            <a:endParaRPr lang="en-US" sz="3333" i="1" dirty="0"/>
           </a:p>
           <a:p>
             <a:pPr marL="714346" indent="-714346">
               <a:buAutoNum type="romanLcParenBoth"/>
             </a:pPr>
             <a:r>
-              <a:rPr lang="en-US" sz="3333" dirty="0" smtClean="0"/>
+              <a:rPr lang="en-US" sz="3333" i="1" dirty="0" smtClean="0"/>
               <a:t>Methods with/without </a:t>
             </a:r>
             <a:r>
-              <a:rPr lang="en-US" sz="3333" dirty="0" err="1" smtClean="0"/>
+              <a:rPr lang="en-US" sz="3333" i="1" dirty="0" err="1" smtClean="0"/>
               <a:t>undersampling</a:t>
             </a:r>
             <a:r>
-              <a:rPr lang="en-US" sz="3333" dirty="0" smtClean="0"/>
+              <a:rPr lang="en-US" sz="3333" i="1" dirty="0" smtClean="0"/>
               <a:t> (I made an </a:t>
             </a:r>
             <a:r>
-              <a:rPr lang="en-US" sz="3333" dirty="0" err="1" smtClean="0"/>
+              <a:rPr lang="en-US" sz="3333" i="1" dirty="0" err="1" smtClean="0"/>
               <a:t>undersampling</a:t>
             </a:r>
             <a:r>
-              <a:rPr lang="en-US" sz="3333" dirty="0" smtClean="0"/>
+              <a:rPr lang="en-US" sz="3333" i="1" dirty="0" smtClean="0"/>
               <a:t> method)</a:t>
             </a:r>
           </a:p>
@@ -3661,17 +3652,17 @@
             <a:pPr marL="714346" indent="-714346">
               <a:buAutoNum type="romanLcParenBoth"/>
             </a:pPr>
-            <a:endParaRPr lang="en-US" sz="3333" dirty="0"/>
+            <a:endParaRPr lang="en-US" sz="3333" i="1" dirty="0"/>
           </a:p>
           <a:p>
             <a:pPr marL="714346" indent="-714346">
               <a:buAutoNum type="romanLcParenBoth"/>
             </a:pPr>
             <a:r>
-              <a:rPr lang="en-US" sz="3333" dirty="0" smtClean="0"/>
+              <a:rPr lang="en-US" sz="3333" i="1" dirty="0" smtClean="0"/>
               <a:t>Something about runtime comparison - ?</a:t>
             </a:r>
-            <a:endParaRPr lang="en-US" sz="3333" dirty="0"/>
+            <a:endParaRPr lang="en-US" sz="3333" i="1" dirty="0"/>
           </a:p>
         </p:txBody>
       </p:sp>
@@ -3704,7 +3695,6 @@
               <a:rPr lang="en-US" sz="3333" b="1" dirty="0" smtClean="0"/>
               <a:t>2-6 papers here</a:t>
             </a:r>
-            <a:endParaRPr lang="en-US" sz="3333" b="1" dirty="0" smtClean="0"/>
           </a:p>
           <a:p>
             <a:endParaRPr lang="en-US" sz="3333" dirty="0"/>
@@ -3735,11 +3725,7 @@
           <a:p>
             <a:r>
               <a:rPr lang="en-US" sz="3333" dirty="0" smtClean="0"/>
-              <a:t>XXX performed best on thi</a:t>
-            </a:r>
-            <a:r>
-              <a:rPr lang="en-US" sz="3333" dirty="0" smtClean="0"/>
-              <a:t>s task because YYY.  </a:t>
+              <a:t>XXX performed best on this task because YYY.  </a:t>
             </a:r>
           </a:p>
           <a:p>
@@ -4426,6 +4412,15 @@
 </file>
 
 <file path=customXml/item1.xml><?xml version="1.0" encoding="utf-8"?>
+<p:properties xmlns:p="http://schemas.microsoft.com/office/2006/metadata/properties" xmlns:xsi="http://www.w3.org/2001/XMLSchema-instance" xmlns:pc="http://schemas.microsoft.com/office/infopath/2007/PartnerControls">
+  <documentManagement>
+    <_Version xmlns="http://schemas.microsoft.com/sharepoint/v3/fields" xsi:nil="true"/>
+    <_Status xmlns="http://schemas.microsoft.com/sharepoint/v3/fields">Not Started</_Status>
+  </documentManagement>
+</p:properties>
+</file>
+
+<file path=customXml/item2.xml><?xml version="1.0" encoding="utf-8"?>
 <ct:contentTypeSchema xmlns:ct="http://schemas.microsoft.com/office/2006/metadata/contentType" xmlns:ma="http://schemas.microsoft.com/office/2006/metadata/properties/metaAttributes" ct:_="" ma:_="" ma:contentTypeName="Document" ma:contentTypeID="0x0101000DE64AEEDD9B7A4D93545ACBE97D4615" ma:contentTypeVersion="2" ma:contentTypeDescription="Create a new document." ma:contentTypeScope="" ma:versionID="f49002b78e3a4a71b814eef46a983816">
   <xsd:schema xmlns:xsd="http://www.w3.org/2001/XMLSchema" xmlns:xs="http://www.w3.org/2001/XMLSchema" xmlns:p="http://schemas.microsoft.com/office/2006/metadata/properties" xmlns:ns2="http://schemas.microsoft.com/sharepoint/v3/fields" targetNamespace="http://schemas.microsoft.com/office/2006/metadata/properties" ma:root="true" ma:fieldsID="38f6db2dd0d9a0cf6a8dc37be32b365b" ns2:_="">
     <xsd:import namespace="http://schemas.microsoft.com/sharepoint/v3/fields"/>
@@ -4569,7 +4564,7 @@
 </ct:contentTypeSchema>
 </file>
 
-<file path=customXml/item2.xml><?xml version="1.0" encoding="utf-8"?>
+<file path=customXml/item3.xml><?xml version="1.0" encoding="utf-8"?>
 <?mso-contentType ?>
 <FormTemplates xmlns="http://schemas.microsoft.com/sharepoint/v3/contenttype/forms">
   <Display>DocumentLibraryForm</Display>
@@ -4578,16 +4573,17 @@
 </FormTemplates>
 </file>
 
-<file path=customXml/item3.xml><?xml version="1.0" encoding="utf-8"?>
-<p:properties xmlns:p="http://schemas.microsoft.com/office/2006/metadata/properties" xmlns:xsi="http://www.w3.org/2001/XMLSchema-instance" xmlns:pc="http://schemas.microsoft.com/office/infopath/2007/PartnerControls">
-  <documentManagement>
-    <_Version xmlns="http://schemas.microsoft.com/sharepoint/v3/fields" xsi:nil="true"/>
-    <_Status xmlns="http://schemas.microsoft.com/sharepoint/v3/fields">Not Started</_Status>
-  </documentManagement>
-</p:properties>
+<file path=customXml/itemProps1.xml><?xml version="1.0" encoding="utf-8"?>
+<ds:datastoreItem xmlns:ds="http://schemas.openxmlformats.org/officeDocument/2006/customXml" ds:itemID="{7B6F2769-7194-4217-93D3-3AF3A4742282}">
+  <ds:schemaRefs>
+    <ds:schemaRef ds:uri="http://schemas.microsoft.com/office/2006/metadata/properties"/>
+    <ds:schemaRef ds:uri="http://schemas.microsoft.com/office/infopath/2007/PartnerControls"/>
+    <ds:schemaRef ds:uri="http://schemas.microsoft.com/sharepoint/v3/fields"/>
+  </ds:schemaRefs>
+</ds:datastoreItem>
 </file>
 
-<file path=customXml/itemProps1.xml><?xml version="1.0" encoding="utf-8"?>
+<file path=customXml/itemProps2.xml><?xml version="1.0" encoding="utf-8"?>
 <ds:datastoreItem xmlns:ds="http://schemas.openxmlformats.org/officeDocument/2006/customXml" ds:itemID="{E4214858-785C-42F7-BE66-6D0E79395FC8}">
   <ds:schemaRefs>
     <ds:schemaRef ds:uri="http://schemas.microsoft.com/office/2006/metadata/contentType"/>
@@ -4605,20 +4601,10 @@
 </ds:datastoreItem>
 </file>
 
-<file path=customXml/itemProps2.xml><?xml version="1.0" encoding="utf-8"?>
+<file path=customXml/itemProps3.xml><?xml version="1.0" encoding="utf-8"?>
 <ds:datastoreItem xmlns:ds="http://schemas.openxmlformats.org/officeDocument/2006/customXml" ds:itemID="{87D2A1B0-FF3E-4009-940D-AED0EB70AA20}">
   <ds:schemaRefs>
     <ds:schemaRef ds:uri="http://schemas.microsoft.com/sharepoint/v3/contenttype/forms"/>
   </ds:schemaRefs>
 </ds:datastoreItem>
-</file>
-
-<file path=customXml/itemProps3.xml><?xml version="1.0" encoding="utf-8"?>
-<ds:datastoreItem xmlns:ds="http://schemas.openxmlformats.org/officeDocument/2006/customXml" ds:itemID="{7B6F2769-7194-4217-93D3-3AF3A4742282}">
-  <ds:schemaRefs>
-    <ds:schemaRef ds:uri="http://schemas.microsoft.com/office/2006/metadata/properties"/>
-    <ds:schemaRef ds:uri="http://schemas.microsoft.com/office/infopath/2007/PartnerControls"/>
-    <ds:schemaRef ds:uri="http://schemas.microsoft.com/sharepoint/v3/fields"/>
-  </ds:schemaRefs>
-</ds:datastoreItem>
 </file>